--- a/PPT/02 UFT Introduction.pptx
+++ b/PPT/02 UFT Introduction.pptx
@@ -150,7 +150,7 @@
   </p:defaultTextStyle>
   <p:extLst>
     <p:ext uri="{EFAFB233-063F-42B5-8137-9DF3F51BA10A}">
-      <p15:sldGuideLst xmlns:p15="http://schemas.microsoft.com/office/powerpoint/2012/main">
+      <p15:sldGuideLst xmlns="" xmlns:p15="http://schemas.microsoft.com/office/powerpoint/2012/main">
         <p15:guide id="1" orient="horz" pos="2160">
           <p15:clr>
             <a:srgbClr val="A4A3A4"/>
@@ -249,7 +249,7 @@
           <a:p>
             <a:fld id="{AC305B9E-BD77-4D0C-8B11-D405776170DD}" type="datetimeFigureOut">
               <a:rPr lang="zh-CN" altLang="en-US" smtClean="0"/>
-              <a:t>2017/9/5</a:t>
+              <a:t>2017/9/7</a:t>
             </a:fld>
             <a:endParaRPr lang="zh-CN" altLang="en-US"/>
           </a:p>
@@ -1819,7 +1819,7 @@
           <a:p>
             <a:fld id="{530820CF-B880-4189-942D-D702A7CBA730}" type="datetimeFigureOut">
               <a:rPr lang="zh-CN" altLang="en-US" smtClean="0"/>
-              <a:t>2017/9/5</a:t>
+              <a:t>2017/9/7</a:t>
             </a:fld>
             <a:endParaRPr lang="zh-CN" altLang="en-US"/>
           </a:p>
@@ -4249,7 +4249,7 @@
           <a:p>
             <a:fld id="{530820CF-B880-4189-942D-D702A7CBA730}" type="datetimeFigureOut">
               <a:rPr lang="zh-CN" altLang="en-US" smtClean="0"/>
-              <a:t>2017/9/5</a:t>
+              <a:t>2017/9/7</a:t>
             </a:fld>
             <a:endParaRPr lang="zh-CN" altLang="en-US"/>
           </a:p>
@@ -6169,7 +6169,7 @@
           <a:p>
             <a:fld id="{530820CF-B880-4189-942D-D702A7CBA730}" type="datetimeFigureOut">
               <a:rPr lang="zh-CN" altLang="en-US" smtClean="0"/>
-              <a:t>2017/9/5</a:t>
+              <a:t>2017/9/7</a:t>
             </a:fld>
             <a:endParaRPr lang="zh-CN" altLang="en-US"/>
           </a:p>
@@ -6576,30 +6576,44 @@
           </a:p>
         </p:txBody>
       </p:sp>
-      <p:pic>
-        <p:nvPicPr>
-          <p:cNvPr id="5" name="图片 4"/>
-          <p:cNvPicPr>
-            <a:picLocks noChangeAspect="1"/>
-          </p:cNvPicPr>
+      <p:sp>
+        <p:nvSpPr>
+          <p:cNvPr id="4" name="TextBox 3"/>
+          <p:cNvSpPr txBox="1"/>
           <p:nvPr/>
-        </p:nvPicPr>
-        <p:blipFill>
-          <a:blip r:embed="rId3"/>
-          <a:stretch>
-            <a:fillRect/>
-          </a:stretch>
-        </p:blipFill>
+        </p:nvSpPr>
         <p:spPr>
           <a:xfrm>
-            <a:off x="5652120" y="116632"/>
-            <a:ext cx="3428571" cy="685714"/>
+            <a:off x="4860032" y="6301743"/>
+            <a:ext cx="3672408" cy="461665"/>
           </a:xfrm>
           <a:prstGeom prst="rect">
             <a:avLst/>
           </a:prstGeom>
+          <a:noFill/>
         </p:spPr>
-      </p:pic>
+        <p:txBody>
+          <a:bodyPr wrap="square" rtlCol="0">
+            <a:spAutoFit/>
+          </a:bodyPr>
+          <a:lstStyle/>
+          <a:p>
+            <a:r>
+              <a:rPr lang="zh-CN" altLang="en-US" sz="2400" b="1" dirty="0" smtClean="0">
+                <a:solidFill>
+                  <a:schemeClr val="bg1"/>
+                </a:solidFill>
+              </a:rPr>
+              <a:t>河北师范大学软件学院</a:t>
+            </a:r>
+            <a:endParaRPr lang="zh-CN" altLang="en-US" sz="2400" b="1" dirty="0">
+              <a:solidFill>
+                <a:schemeClr val="bg1"/>
+              </a:solidFill>
+            </a:endParaRPr>
+          </a:p>
+        </p:txBody>
+      </p:sp>
     </p:spTree>
     <p:extLst>
       <p:ext uri="{BB962C8B-B14F-4D97-AF65-F5344CB8AC3E}">
@@ -11545,20 +11559,29 @@
             <p:ph idx="1"/>
           </p:nvPr>
         </p:nvSpPr>
-        <p:spPr/>
+        <p:spPr>
+          <a:xfrm>
+            <a:off x="467544" y="908720"/>
+            <a:ext cx="8229600" cy="4525963"/>
+          </a:xfrm>
+        </p:spPr>
         <p:txBody>
           <a:bodyPr/>
           <a:lstStyle/>
           <a:p>
             <a:r>
-              <a:rPr lang="en-US" altLang="zh-CN" smtClean="0"/>
+              <a:rPr lang="en-US" altLang="zh-CN" dirty="0" smtClean="0"/>
               <a:t>3</a:t>
             </a:r>
             <a:r>
-              <a:rPr lang="zh-CN" altLang="en-US" smtClean="0"/>
-              <a:t>、分析这些需要实现的自动化测试用例，确定自动化测试用例的前置条件、预期结果和后置条件，合理安排录制和编写测试脚本，尽量使测试脚本简单、实用和复用。</a:t>
-            </a:r>
-            <a:endParaRPr lang="zh-CN" altLang="en-US" dirty="0"/>
+              <a:rPr lang="zh-CN" altLang="en-US" dirty="0" smtClean="0"/>
+              <a:t>、</a:t>
+            </a:r>
+            <a:r>
+              <a:rPr lang="zh-CN" altLang="en-US" sz="2400" dirty="0" smtClean="0"/>
+              <a:t>分析这些需要实现的自动化测试用例，确定自动化测试用例的前置条件、预期结果和后置条件，合理安排录制和编写测试脚本，尽量使测试脚本简单、实用和复用。</a:t>
+            </a:r>
+            <a:endParaRPr lang="zh-CN" altLang="en-US" sz="2400" dirty="0"/>
           </a:p>
         </p:txBody>
       </p:sp>
@@ -14244,58 +14267,70 @@
           <a:lstStyle/>
           <a:p>
             <a:r>
-              <a:rPr lang="en-US" altLang="zh-CN" smtClean="0"/>
+              <a:rPr lang="en-US" altLang="zh-CN" dirty="0" err="1" smtClean="0"/>
               <a:t>UFT</a:t>
             </a:r>
             <a:r>
-              <a:rPr lang="zh-CN" altLang="en-US" smtClean="0"/>
+              <a:rPr lang="zh-CN" altLang="en-US" dirty="0" smtClean="0"/>
               <a:t>的前世今生</a:t>
             </a:r>
-            <a:endParaRPr lang="en-US" altLang="zh-CN" smtClean="0"/>
-          </a:p>
-          <a:p>
-            <a:r>
-              <a:rPr lang="en-US" altLang="zh-CN" smtClean="0"/>
+            <a:endParaRPr lang="en-US" altLang="zh-CN" dirty="0" smtClean="0"/>
+          </a:p>
+          <a:p>
+            <a:r>
+              <a:rPr lang="en-US" altLang="zh-CN" dirty="0" err="1" smtClean="0"/>
               <a:t>UFT</a:t>
             </a:r>
             <a:r>
-              <a:rPr lang="zh-CN" altLang="en-US" smtClean="0"/>
+              <a:rPr lang="zh-CN" altLang="en-US" dirty="0" smtClean="0"/>
               <a:t>的工作原理</a:t>
             </a:r>
-            <a:endParaRPr lang="en-US" altLang="zh-CN" smtClean="0"/>
-          </a:p>
-          <a:p>
-            <a:r>
-              <a:rPr lang="en-US" altLang="zh-CN" smtClean="0"/>
+            <a:endParaRPr lang="en-US" altLang="zh-CN" dirty="0" smtClean="0"/>
+          </a:p>
+          <a:p>
+            <a:r>
+              <a:rPr lang="en-US" altLang="zh-CN" dirty="0" err="1" smtClean="0"/>
               <a:t>UFT</a:t>
             </a:r>
             <a:r>
-              <a:rPr lang="zh-CN" altLang="en-US" smtClean="0"/>
+              <a:rPr lang="zh-CN" altLang="en-US" dirty="0" smtClean="0"/>
               <a:t>的工作步骤</a:t>
             </a:r>
-            <a:endParaRPr lang="en-US" altLang="zh-CN" smtClean="0"/>
-          </a:p>
-          <a:p>
-            <a:r>
-              <a:rPr lang="en-US" altLang="zh-CN" smtClean="0"/>
+            <a:endParaRPr lang="en-US" altLang="zh-CN" dirty="0" smtClean="0"/>
+          </a:p>
+          <a:p>
+            <a:r>
+              <a:rPr lang="en-US" altLang="zh-CN" dirty="0" err="1" smtClean="0">
+                <a:solidFill>
+                  <a:srgbClr val="FF0000"/>
+                </a:solidFill>
+              </a:rPr>
               <a:t>UFT</a:t>
             </a:r>
             <a:r>
-              <a:rPr lang="zh-CN" altLang="en-US" smtClean="0"/>
+              <a:rPr lang="zh-CN" altLang="en-US" dirty="0" smtClean="0">
+                <a:solidFill>
+                  <a:srgbClr val="FF0000"/>
+                </a:solidFill>
+              </a:rPr>
               <a:t>脚本录制 </a:t>
             </a:r>
-            <a:endParaRPr lang="en-US" altLang="zh-CN" smtClean="0"/>
-          </a:p>
-          <a:p>
-            <a:r>
-              <a:rPr lang="zh-CN" altLang="en-US" smtClean="0"/>
+            <a:endParaRPr lang="en-US" altLang="zh-CN" dirty="0" smtClean="0">
+              <a:solidFill>
+                <a:srgbClr val="FF0000"/>
+              </a:solidFill>
+            </a:endParaRPr>
+          </a:p>
+          <a:p>
+            <a:r>
+              <a:rPr lang="zh-CN" altLang="en-US" dirty="0" smtClean="0"/>
               <a:t>测试对象与对象库</a:t>
             </a:r>
-            <a:endParaRPr lang="en-US" altLang="zh-CN" smtClean="0"/>
-          </a:p>
-          <a:p>
-            <a:r>
-              <a:rPr lang="zh-CN" altLang="en-US" smtClean="0"/>
+            <a:endParaRPr lang="en-US" altLang="zh-CN" dirty="0" smtClean="0"/>
+          </a:p>
+          <a:p>
+            <a:r>
+              <a:rPr lang="zh-CN" altLang="en-US" dirty="0" smtClean="0"/>
               <a:t>脚本的维护</a:t>
             </a:r>
             <a:endParaRPr lang="en-US" altLang="zh-CN" dirty="0"/>
@@ -14602,7 +14637,7 @@
         </p:blipFill>
         <p:spPr bwMode="auto">
           <a:xfrm>
-            <a:off x="4377680" y="1957790"/>
+            <a:off x="4991100" y="1772816"/>
             <a:ext cx="4152900" cy="3981450"/>
           </a:xfrm>
           <a:prstGeom prst="rect">

--- a/PPT/02 UFT Introduction.pptx
+++ b/PPT/02 UFT Introduction.pptx
@@ -8472,14 +8472,26 @@
           </a:p>
           <a:p>
             <a:r>
-              <a:rPr lang="en-US" altLang="zh-CN" dirty="0" smtClean="0"/>
+              <a:rPr lang="en-US" altLang="zh-CN" dirty="0" smtClean="0">
+                <a:solidFill>
+                  <a:srgbClr val="FF0000"/>
+                </a:solidFill>
+              </a:rPr>
               <a:t>UFT</a:t>
             </a:r>
             <a:r>
-              <a:rPr lang="zh-CN" altLang="en-US" dirty="0" smtClean="0"/>
+              <a:rPr lang="zh-CN" altLang="en-US" dirty="0" smtClean="0">
+                <a:solidFill>
+                  <a:srgbClr val="FF0000"/>
+                </a:solidFill>
+              </a:rPr>
               <a:t>的工作步骤</a:t>
             </a:r>
-            <a:endParaRPr lang="en-US" altLang="zh-CN" dirty="0" smtClean="0"/>
+            <a:endParaRPr lang="en-US" altLang="zh-CN" dirty="0" smtClean="0">
+              <a:solidFill>
+                <a:srgbClr val="FF0000"/>
+              </a:solidFill>
+            </a:endParaRPr>
           </a:p>
           <a:p>
             <a:r>
